--- a/PICTURE/handler.pptx
+++ b/PICTURE/handler.pptx
@@ -8,6 +8,14 @@
     <p:sldId id="256" r:id="rId2"/>
     <p:sldId id="257" r:id="rId3"/>
     <p:sldId id="258" r:id="rId4"/>
+    <p:sldId id="259" r:id="rId5"/>
+    <p:sldId id="260" r:id="rId6"/>
+    <p:sldId id="261" r:id="rId7"/>
+    <p:sldId id="263" r:id="rId8"/>
+    <p:sldId id="262" r:id="rId9"/>
+    <p:sldId id="264" r:id="rId10"/>
+    <p:sldId id="265" r:id="rId11"/>
+    <p:sldId id="266" r:id="rId12"/>
   </p:sldIdLst>
   <p:sldSz cx="12192000" cy="6858000"/>
   <p:notesSz cx="6858000" cy="9144000"/>
@@ -106,6 +114,11 @@
       </a:defRPr>
     </a:lvl9pPr>
   </p:defaultTextStyle>
+  <p:extLst>
+    <p:ext uri="{EFAFB233-063F-42B5-8137-9DF3F51BA10A}">
+      <p15:sldGuideLst xmlns:p15="http://schemas.microsoft.com/office/powerpoint/2012/main"/>
+    </p:ext>
+  </p:extLst>
 </p:presentation>
 </file>
 
@@ -258,7 +271,7 @@
           <a:p>
             <a:fld id="{57EA341A-E2F2-4F01-98D4-B0AC08944432}" type="datetimeFigureOut">
               <a:rPr lang="vi-VN" smtClean="0"/>
-              <a:t>27/11/2023</a:t>
+              <a:t>28/12/2023</a:t>
             </a:fld>
             <a:endParaRPr lang="vi-VN"/>
           </a:p>
@@ -458,7 +471,7 @@
           <a:p>
             <a:fld id="{57EA341A-E2F2-4F01-98D4-B0AC08944432}" type="datetimeFigureOut">
               <a:rPr lang="vi-VN" smtClean="0"/>
-              <a:t>27/11/2023</a:t>
+              <a:t>28/12/2023</a:t>
             </a:fld>
             <a:endParaRPr lang="vi-VN"/>
           </a:p>
@@ -668,7 +681,7 @@
           <a:p>
             <a:fld id="{57EA341A-E2F2-4F01-98D4-B0AC08944432}" type="datetimeFigureOut">
               <a:rPr lang="vi-VN" smtClean="0"/>
-              <a:t>27/11/2023</a:t>
+              <a:t>28/12/2023</a:t>
             </a:fld>
             <a:endParaRPr lang="vi-VN"/>
           </a:p>
@@ -868,7 +881,7 @@
           <a:p>
             <a:fld id="{57EA341A-E2F2-4F01-98D4-B0AC08944432}" type="datetimeFigureOut">
               <a:rPr lang="vi-VN" smtClean="0"/>
-              <a:t>27/11/2023</a:t>
+              <a:t>28/12/2023</a:t>
             </a:fld>
             <a:endParaRPr lang="vi-VN"/>
           </a:p>
@@ -1144,7 +1157,7 @@
           <a:p>
             <a:fld id="{57EA341A-E2F2-4F01-98D4-B0AC08944432}" type="datetimeFigureOut">
               <a:rPr lang="vi-VN" smtClean="0"/>
-              <a:t>27/11/2023</a:t>
+              <a:t>28/12/2023</a:t>
             </a:fld>
             <a:endParaRPr lang="vi-VN"/>
           </a:p>
@@ -1412,7 +1425,7 @@
           <a:p>
             <a:fld id="{57EA341A-E2F2-4F01-98D4-B0AC08944432}" type="datetimeFigureOut">
               <a:rPr lang="vi-VN" smtClean="0"/>
-              <a:t>27/11/2023</a:t>
+              <a:t>28/12/2023</a:t>
             </a:fld>
             <a:endParaRPr lang="vi-VN"/>
           </a:p>
@@ -1827,7 +1840,7 @@
           <a:p>
             <a:fld id="{57EA341A-E2F2-4F01-98D4-B0AC08944432}" type="datetimeFigureOut">
               <a:rPr lang="vi-VN" smtClean="0"/>
-              <a:t>27/11/2023</a:t>
+              <a:t>28/12/2023</a:t>
             </a:fld>
             <a:endParaRPr lang="vi-VN"/>
           </a:p>
@@ -1969,7 +1982,7 @@
           <a:p>
             <a:fld id="{57EA341A-E2F2-4F01-98D4-B0AC08944432}" type="datetimeFigureOut">
               <a:rPr lang="vi-VN" smtClean="0"/>
-              <a:t>27/11/2023</a:t>
+              <a:t>28/12/2023</a:t>
             </a:fld>
             <a:endParaRPr lang="vi-VN"/>
           </a:p>
@@ -2082,7 +2095,7 @@
           <a:p>
             <a:fld id="{57EA341A-E2F2-4F01-98D4-B0AC08944432}" type="datetimeFigureOut">
               <a:rPr lang="vi-VN" smtClean="0"/>
-              <a:t>27/11/2023</a:t>
+              <a:t>28/12/2023</a:t>
             </a:fld>
             <a:endParaRPr lang="vi-VN"/>
           </a:p>
@@ -2395,7 +2408,7 @@
           <a:p>
             <a:fld id="{57EA341A-E2F2-4F01-98D4-B0AC08944432}" type="datetimeFigureOut">
               <a:rPr lang="vi-VN" smtClean="0"/>
-              <a:t>27/11/2023</a:t>
+              <a:t>28/12/2023</a:t>
             </a:fld>
             <a:endParaRPr lang="vi-VN"/>
           </a:p>
@@ -2684,7 +2697,7 @@
           <a:p>
             <a:fld id="{57EA341A-E2F2-4F01-98D4-B0AC08944432}" type="datetimeFigureOut">
               <a:rPr lang="vi-VN" smtClean="0"/>
-              <a:t>27/11/2023</a:t>
+              <a:t>28/12/2023</a:t>
             </a:fld>
             <a:endParaRPr lang="vi-VN"/>
           </a:p>
@@ -2927,7 +2940,7 @@
           <a:p>
             <a:fld id="{57EA341A-E2F2-4F01-98D4-B0AC08944432}" type="datetimeFigureOut">
               <a:rPr lang="vi-VN" smtClean="0"/>
-              <a:t>27/11/2023</a:t>
+              <a:t>28/12/2023</a:t>
             </a:fld>
             <a:endParaRPr lang="vi-VN"/>
           </a:p>
@@ -3688,6 +3701,142 @@
 </p:sld>
 </file>
 
+<file path=ppt/slides/slide10.xml><?xml version="1.0" encoding="utf-8"?>
+<p:sld xmlns:a="http://schemas.openxmlformats.org/drawingml/2006/main" xmlns:r="http://schemas.openxmlformats.org/officeDocument/2006/relationships" xmlns:p="http://schemas.openxmlformats.org/presentationml/2006/main">
+  <p:cSld>
+    <p:spTree>
+      <p:nvGrpSpPr>
+        <p:cNvPr id="1" name=""/>
+        <p:cNvGrpSpPr/>
+        <p:nvPr/>
+      </p:nvGrpSpPr>
+      <p:grpSpPr>
+        <a:xfrm>
+          <a:off x="0" y="0"/>
+          <a:ext cx="0" cy="0"/>
+          <a:chOff x="0" y="0"/>
+          <a:chExt cx="0" cy="0"/>
+        </a:xfrm>
+      </p:grpSpPr>
+      <p:pic>
+        <p:nvPicPr>
+          <p:cNvPr id="2" name="Picture 1" descr="A close-up of a sign&#10;&#10;Description automatically generated with low confidence">
+            <a:extLst>
+              <a:ext uri="{FF2B5EF4-FFF2-40B4-BE49-F238E27FC236}">
+                <a16:creationId xmlns:a16="http://schemas.microsoft.com/office/drawing/2014/main" id="{009DC15F-8157-2654-472B-3EB483EA65FD}"/>
+              </a:ext>
+            </a:extLst>
+          </p:cNvPr>
+          <p:cNvPicPr>
+            <a:picLocks noChangeAspect="1"/>
+          </p:cNvPicPr>
+          <p:nvPr/>
+        </p:nvPicPr>
+        <p:blipFill>
+          <a:blip r:embed="rId2"/>
+          <a:stretch>
+            <a:fillRect/>
+          </a:stretch>
+        </p:blipFill>
+        <p:spPr>
+          <a:xfrm>
+            <a:off x="2599464" y="1395689"/>
+            <a:ext cx="5532481" cy="3699415"/>
+          </a:xfrm>
+          <a:prstGeom prst="rect">
+            <a:avLst/>
+          </a:prstGeom>
+        </p:spPr>
+      </p:pic>
+      <p:sp>
+        <p:nvSpPr>
+          <p:cNvPr id="3" name="Rectangle 2">
+            <a:extLst>
+              <a:ext uri="{FF2B5EF4-FFF2-40B4-BE49-F238E27FC236}">
+                <a16:creationId xmlns:a16="http://schemas.microsoft.com/office/drawing/2014/main" id="{10F8F621-9335-22F1-19EC-D03DEDE7BA28}"/>
+              </a:ext>
+            </a:extLst>
+          </p:cNvPr>
+          <p:cNvSpPr/>
+          <p:nvPr/>
+        </p:nvSpPr>
+        <p:spPr>
+          <a:xfrm>
+            <a:off x="5977128" y="1024128"/>
+            <a:ext cx="1901190" cy="194310"/>
+          </a:xfrm>
+          <a:prstGeom prst="rect">
+            <a:avLst/>
+          </a:prstGeom>
+        </p:spPr>
+        <p:style>
+          <a:lnRef idx="2">
+            <a:schemeClr val="dk1">
+              <a:shade val="15000"/>
+            </a:schemeClr>
+          </a:lnRef>
+          <a:fillRef idx="1">
+            <a:schemeClr val="dk1"/>
+          </a:fillRef>
+          <a:effectRef idx="0">
+            <a:schemeClr val="dk1"/>
+          </a:effectRef>
+          <a:fontRef idx="minor">
+            <a:schemeClr val="lt1"/>
+          </a:fontRef>
+        </p:style>
+        <p:txBody>
+          <a:bodyPr rtlCol="0" anchor="ctr"/>
+          <a:lstStyle/>
+          <a:p>
+            <a:pPr algn="ctr"/>
+            <a:endParaRPr lang="vi-VN"/>
+          </a:p>
+        </p:txBody>
+      </p:sp>
+    </p:spTree>
+    <p:extLst>
+      <p:ext uri="{BB962C8B-B14F-4D97-AF65-F5344CB8AC3E}">
+        <p14:creationId xmlns:p14="http://schemas.microsoft.com/office/powerpoint/2010/main" val="2917395899"/>
+      </p:ext>
+    </p:extLst>
+  </p:cSld>
+  <p:clrMapOvr>
+    <a:masterClrMapping/>
+  </p:clrMapOvr>
+</p:sld>
+</file>
+
+<file path=ppt/slides/slide11.xml><?xml version="1.0" encoding="utf-8"?>
+<p:sld xmlns:a="http://schemas.openxmlformats.org/drawingml/2006/main" xmlns:r="http://schemas.openxmlformats.org/officeDocument/2006/relationships" xmlns:p="http://schemas.openxmlformats.org/presentationml/2006/main">
+  <p:cSld>
+    <p:spTree>
+      <p:nvGrpSpPr>
+        <p:cNvPr id="1" name=""/>
+        <p:cNvGrpSpPr/>
+        <p:nvPr/>
+      </p:nvGrpSpPr>
+      <p:grpSpPr>
+        <a:xfrm>
+          <a:off x="0" y="0"/>
+          <a:ext cx="0" cy="0"/>
+          <a:chOff x="0" y="0"/>
+          <a:chExt cx="0" cy="0"/>
+        </a:xfrm>
+      </p:grpSpPr>
+    </p:spTree>
+    <p:extLst>
+      <p:ext uri="{BB962C8B-B14F-4D97-AF65-F5344CB8AC3E}">
+        <p14:creationId xmlns:p14="http://schemas.microsoft.com/office/powerpoint/2010/main" val="1405072408"/>
+      </p:ext>
+    </p:extLst>
+  </p:cSld>
+  <p:clrMapOvr>
+    <a:masterClrMapping/>
+  </p:clrMapOvr>
+</p:sld>
+</file>
+
 <file path=ppt/slides/slide2.xml><?xml version="1.0" encoding="utf-8"?>
 <p:sld xmlns:a="http://schemas.openxmlformats.org/drawingml/2006/main" xmlns:r="http://schemas.openxmlformats.org/officeDocument/2006/relationships" xmlns:p="http://schemas.openxmlformats.org/presentationml/2006/main">
   <p:cSld>
@@ -4458,6 +4607,1481 @@
     <p:extLst>
       <p:ext uri="{BB962C8B-B14F-4D97-AF65-F5344CB8AC3E}">
         <p14:creationId xmlns:p14="http://schemas.microsoft.com/office/powerpoint/2010/main" val="200747115"/>
+      </p:ext>
+    </p:extLst>
+  </p:cSld>
+  <p:clrMapOvr>
+    <a:masterClrMapping/>
+  </p:clrMapOvr>
+</p:sld>
+</file>
+
+<file path=ppt/slides/slide4.xml><?xml version="1.0" encoding="utf-8"?>
+<p:sld xmlns:a="http://schemas.openxmlformats.org/drawingml/2006/main" xmlns:r="http://schemas.openxmlformats.org/officeDocument/2006/relationships" xmlns:p="http://schemas.openxmlformats.org/presentationml/2006/main">
+  <p:cSld>
+    <p:spTree>
+      <p:nvGrpSpPr>
+        <p:cNvPr id="1" name=""/>
+        <p:cNvGrpSpPr/>
+        <p:nvPr/>
+      </p:nvGrpSpPr>
+      <p:grpSpPr>
+        <a:xfrm>
+          <a:off x="0" y="0"/>
+          <a:ext cx="0" cy="0"/>
+          <a:chOff x="0" y="0"/>
+          <a:chExt cx="0" cy="0"/>
+        </a:xfrm>
+      </p:grpSpPr>
+      <p:pic>
+        <p:nvPicPr>
+          <p:cNvPr id="9" name="Picture 8" descr="A blue circuit board with many wires&#10;&#10;Description automatically generated">
+            <a:extLst>
+              <a:ext uri="{FF2B5EF4-FFF2-40B4-BE49-F238E27FC236}">
+                <a16:creationId xmlns:a16="http://schemas.microsoft.com/office/drawing/2014/main" id="{9E8D197C-35CF-5ED5-CEB5-DC0476B8DE4C}"/>
+              </a:ext>
+            </a:extLst>
+          </p:cNvPr>
+          <p:cNvPicPr>
+            <a:picLocks noChangeAspect="1"/>
+          </p:cNvPicPr>
+          <p:nvPr/>
+        </p:nvPicPr>
+        <p:blipFill>
+          <a:blip r:embed="rId2" cstate="print">
+            <a:extLst>
+              <a:ext uri="{28A0092B-C50C-407E-A947-70E740481C1C}">
+                <a14:useLocalDpi xmlns:a14="http://schemas.microsoft.com/office/drawing/2010/main" val="0"/>
+              </a:ext>
+            </a:extLst>
+          </a:blip>
+          <a:srcRect/>
+          <a:stretch>
+            <a:fillRect/>
+          </a:stretch>
+        </p:blipFill>
+        <p:spPr bwMode="auto">
+          <a:xfrm rot="5400000">
+            <a:off x="4036933" y="317366"/>
+            <a:ext cx="3905069" cy="6073509"/>
+          </a:xfrm>
+          <a:prstGeom prst="rect">
+            <a:avLst/>
+          </a:prstGeom>
+          <a:noFill/>
+          <a:ln>
+            <a:noFill/>
+          </a:ln>
+        </p:spPr>
+      </p:pic>
+      <p:sp>
+        <p:nvSpPr>
+          <p:cNvPr id="11" name="L-Shape 10">
+            <a:extLst>
+              <a:ext uri="{FF2B5EF4-FFF2-40B4-BE49-F238E27FC236}">
+                <a16:creationId xmlns:a16="http://schemas.microsoft.com/office/drawing/2014/main" id="{D9026F85-49AC-3C17-C4E3-55911B6C4D73}"/>
+              </a:ext>
+            </a:extLst>
+          </p:cNvPr>
+          <p:cNvSpPr/>
+          <p:nvPr/>
+        </p:nvSpPr>
+        <p:spPr>
+          <a:xfrm rot="5400000">
+            <a:off x="4123677" y="847819"/>
+            <a:ext cx="1935333" cy="3488923"/>
+          </a:xfrm>
+          <a:prstGeom prst="corner">
+            <a:avLst/>
+          </a:prstGeom>
+          <a:noFill/>
+          <a:ln w="38100">
+            <a:solidFill>
+              <a:srgbClr val="FFFF00"/>
+            </a:solidFill>
+          </a:ln>
+        </p:spPr>
+        <p:style>
+          <a:lnRef idx="2">
+            <a:schemeClr val="accent1">
+              <a:shade val="15000"/>
+            </a:schemeClr>
+          </a:lnRef>
+          <a:fillRef idx="1">
+            <a:schemeClr val="accent1"/>
+          </a:fillRef>
+          <a:effectRef idx="0">
+            <a:schemeClr val="accent1"/>
+          </a:effectRef>
+          <a:fontRef idx="minor">
+            <a:schemeClr val="lt1"/>
+          </a:fontRef>
+        </p:style>
+        <p:txBody>
+          <a:bodyPr rtlCol="0" anchor="ctr"/>
+          <a:lstStyle/>
+          <a:p>
+            <a:pPr algn="ctr"/>
+            <a:endParaRPr lang="vi-VN"/>
+          </a:p>
+        </p:txBody>
+      </p:sp>
+      <p:sp>
+        <p:nvSpPr>
+          <p:cNvPr id="12" name="Rectangle 11">
+            <a:extLst>
+              <a:ext uri="{FF2B5EF4-FFF2-40B4-BE49-F238E27FC236}">
+                <a16:creationId xmlns:a16="http://schemas.microsoft.com/office/drawing/2014/main" id="{5D16A36E-B505-8919-ECEA-47E1A5F088C5}"/>
+              </a:ext>
+            </a:extLst>
+          </p:cNvPr>
+          <p:cNvSpPr/>
+          <p:nvPr/>
+        </p:nvSpPr>
+        <p:spPr>
+          <a:xfrm>
+            <a:off x="3346882" y="3559947"/>
+            <a:ext cx="1429304" cy="1518080"/>
+          </a:xfrm>
+          <a:prstGeom prst="rect">
+            <a:avLst/>
+          </a:prstGeom>
+          <a:noFill/>
+          <a:ln w="38100">
+            <a:solidFill>
+              <a:srgbClr val="00B0F0"/>
+            </a:solidFill>
+          </a:ln>
+        </p:spPr>
+        <p:style>
+          <a:lnRef idx="2">
+            <a:schemeClr val="accent1">
+              <a:shade val="15000"/>
+            </a:schemeClr>
+          </a:lnRef>
+          <a:fillRef idx="1">
+            <a:schemeClr val="accent1"/>
+          </a:fillRef>
+          <a:effectRef idx="0">
+            <a:schemeClr val="accent1"/>
+          </a:effectRef>
+          <a:fontRef idx="minor">
+            <a:schemeClr val="lt1"/>
+          </a:fontRef>
+        </p:style>
+        <p:txBody>
+          <a:bodyPr rtlCol="0" anchor="ctr"/>
+          <a:lstStyle/>
+          <a:p>
+            <a:pPr algn="ctr"/>
+            <a:endParaRPr lang="vi-VN"/>
+          </a:p>
+        </p:txBody>
+      </p:sp>
+      <p:sp>
+        <p:nvSpPr>
+          <p:cNvPr id="13" name="Rectangle 12">
+            <a:extLst>
+              <a:ext uri="{FF2B5EF4-FFF2-40B4-BE49-F238E27FC236}">
+                <a16:creationId xmlns:a16="http://schemas.microsoft.com/office/drawing/2014/main" id="{24EAE828-24A7-EB34-C2D0-8167B65E5909}"/>
+              </a:ext>
+            </a:extLst>
+          </p:cNvPr>
+          <p:cNvSpPr/>
+          <p:nvPr/>
+        </p:nvSpPr>
+        <p:spPr>
+          <a:xfrm>
+            <a:off x="4776185" y="4003829"/>
+            <a:ext cx="1651247" cy="1074198"/>
+          </a:xfrm>
+          <a:prstGeom prst="rect">
+            <a:avLst/>
+          </a:prstGeom>
+          <a:noFill/>
+          <a:ln w="38100">
+            <a:solidFill>
+              <a:schemeClr val="accent4">
+                <a:lumMod val="40000"/>
+                <a:lumOff val="60000"/>
+              </a:schemeClr>
+            </a:solidFill>
+          </a:ln>
+        </p:spPr>
+        <p:style>
+          <a:lnRef idx="2">
+            <a:schemeClr val="accent1">
+              <a:shade val="15000"/>
+            </a:schemeClr>
+          </a:lnRef>
+          <a:fillRef idx="1">
+            <a:schemeClr val="accent1"/>
+          </a:fillRef>
+          <a:effectRef idx="0">
+            <a:schemeClr val="accent1"/>
+          </a:effectRef>
+          <a:fontRef idx="minor">
+            <a:schemeClr val="lt1"/>
+          </a:fontRef>
+        </p:style>
+        <p:txBody>
+          <a:bodyPr rtlCol="0" anchor="ctr"/>
+          <a:lstStyle/>
+          <a:p>
+            <a:pPr algn="ctr"/>
+            <a:endParaRPr lang="vi-VN"/>
+          </a:p>
+        </p:txBody>
+      </p:sp>
+      <p:sp>
+        <p:nvSpPr>
+          <p:cNvPr id="14" name="Rectangle 13">
+            <a:extLst>
+              <a:ext uri="{FF2B5EF4-FFF2-40B4-BE49-F238E27FC236}">
+                <a16:creationId xmlns:a16="http://schemas.microsoft.com/office/drawing/2014/main" id="{9E537B35-7688-E88A-39FA-5D8E2B000588}"/>
+              </a:ext>
+            </a:extLst>
+          </p:cNvPr>
+          <p:cNvSpPr/>
+          <p:nvPr/>
+        </p:nvSpPr>
+        <p:spPr>
+          <a:xfrm>
+            <a:off x="6926063" y="1608339"/>
+            <a:ext cx="1924974" cy="2297835"/>
+          </a:xfrm>
+          <a:prstGeom prst="rect">
+            <a:avLst/>
+          </a:prstGeom>
+          <a:noFill/>
+          <a:ln w="38100">
+            <a:solidFill>
+              <a:schemeClr val="tx2">
+                <a:lumMod val="20000"/>
+                <a:lumOff val="80000"/>
+              </a:schemeClr>
+            </a:solidFill>
+          </a:ln>
+        </p:spPr>
+        <p:style>
+          <a:lnRef idx="2">
+            <a:schemeClr val="accent1">
+              <a:shade val="15000"/>
+            </a:schemeClr>
+          </a:lnRef>
+          <a:fillRef idx="1">
+            <a:schemeClr val="accent1"/>
+          </a:fillRef>
+          <a:effectRef idx="0">
+            <a:schemeClr val="accent1"/>
+          </a:effectRef>
+          <a:fontRef idx="minor">
+            <a:schemeClr val="lt1"/>
+          </a:fontRef>
+        </p:style>
+        <p:txBody>
+          <a:bodyPr rtlCol="0" anchor="ctr"/>
+          <a:lstStyle/>
+          <a:p>
+            <a:pPr algn="ctr"/>
+            <a:endParaRPr lang="vi-VN"/>
+          </a:p>
+        </p:txBody>
+      </p:sp>
+      <p:sp>
+        <p:nvSpPr>
+          <p:cNvPr id="15" name="Rectangle 14">
+            <a:extLst>
+              <a:ext uri="{FF2B5EF4-FFF2-40B4-BE49-F238E27FC236}">
+                <a16:creationId xmlns:a16="http://schemas.microsoft.com/office/drawing/2014/main" id="{69252556-4908-B096-5D53-468CC7645DCF}"/>
+              </a:ext>
+            </a:extLst>
+          </p:cNvPr>
+          <p:cNvSpPr/>
+          <p:nvPr/>
+        </p:nvSpPr>
+        <p:spPr>
+          <a:xfrm>
+            <a:off x="6456431" y="3938334"/>
+            <a:ext cx="2394605" cy="1139693"/>
+          </a:xfrm>
+          <a:prstGeom prst="rect">
+            <a:avLst/>
+          </a:prstGeom>
+          <a:noFill/>
+          <a:ln w="38100">
+            <a:solidFill>
+              <a:srgbClr val="FF0000"/>
+            </a:solidFill>
+          </a:ln>
+        </p:spPr>
+        <p:style>
+          <a:lnRef idx="2">
+            <a:schemeClr val="accent1">
+              <a:shade val="15000"/>
+            </a:schemeClr>
+          </a:lnRef>
+          <a:fillRef idx="1">
+            <a:schemeClr val="accent1"/>
+          </a:fillRef>
+          <a:effectRef idx="0">
+            <a:schemeClr val="accent1"/>
+          </a:effectRef>
+          <a:fontRef idx="minor">
+            <a:schemeClr val="lt1"/>
+          </a:fontRef>
+        </p:style>
+        <p:txBody>
+          <a:bodyPr rtlCol="0" anchor="ctr"/>
+          <a:lstStyle/>
+          <a:p>
+            <a:pPr algn="ctr"/>
+            <a:endParaRPr lang="vi-VN"/>
+          </a:p>
+        </p:txBody>
+      </p:sp>
+      <p:sp>
+        <p:nvSpPr>
+          <p:cNvPr id="16" name="Rectangle 15">
+            <a:extLst>
+              <a:ext uri="{FF2B5EF4-FFF2-40B4-BE49-F238E27FC236}">
+                <a16:creationId xmlns:a16="http://schemas.microsoft.com/office/drawing/2014/main" id="{BD6A71BF-9B09-9A27-40F4-5D6DE84C93FE}"/>
+              </a:ext>
+            </a:extLst>
+          </p:cNvPr>
+          <p:cNvSpPr/>
+          <p:nvPr/>
+        </p:nvSpPr>
+        <p:spPr>
+          <a:xfrm>
+            <a:off x="4904171" y="2686590"/>
+            <a:ext cx="1651247" cy="1219584"/>
+          </a:xfrm>
+          <a:prstGeom prst="rect">
+            <a:avLst/>
+          </a:prstGeom>
+          <a:noFill/>
+          <a:ln w="38100">
+            <a:solidFill>
+              <a:schemeClr val="accent2">
+                <a:lumMod val="75000"/>
+              </a:schemeClr>
+            </a:solidFill>
+          </a:ln>
+        </p:spPr>
+        <p:style>
+          <a:lnRef idx="2">
+            <a:schemeClr val="accent1">
+              <a:shade val="15000"/>
+            </a:schemeClr>
+          </a:lnRef>
+          <a:fillRef idx="1">
+            <a:schemeClr val="accent1"/>
+          </a:fillRef>
+          <a:effectRef idx="0">
+            <a:schemeClr val="accent1"/>
+          </a:effectRef>
+          <a:fontRef idx="minor">
+            <a:schemeClr val="lt1"/>
+          </a:fontRef>
+        </p:style>
+        <p:txBody>
+          <a:bodyPr rtlCol="0" anchor="ctr"/>
+          <a:lstStyle/>
+          <a:p>
+            <a:pPr algn="ctr"/>
+            <a:endParaRPr lang="vi-VN"/>
+          </a:p>
+        </p:txBody>
+      </p:sp>
+      <p:cxnSp>
+        <p:nvCxnSpPr>
+          <p:cNvPr id="18" name="Straight Arrow Connector 17">
+            <a:extLst>
+              <a:ext uri="{FF2B5EF4-FFF2-40B4-BE49-F238E27FC236}">
+                <a16:creationId xmlns:a16="http://schemas.microsoft.com/office/drawing/2014/main" id="{A541E2DE-3839-9B00-3ACD-BF4823056A5B}"/>
+              </a:ext>
+            </a:extLst>
+          </p:cNvPr>
+          <p:cNvCxnSpPr>
+            <a:cxnSpLocks/>
+            <a:stCxn id="11" idx="2"/>
+            <a:endCxn id="19" idx="2"/>
+          </p:cNvCxnSpPr>
+          <p:nvPr/>
+        </p:nvCxnSpPr>
+        <p:spPr>
+          <a:xfrm flipH="1" flipV="1">
+            <a:off x="4776185" y="1223354"/>
+            <a:ext cx="315158" cy="401260"/>
+          </a:xfrm>
+          <a:prstGeom prst="straightConnector1">
+            <a:avLst/>
+          </a:prstGeom>
+          <a:ln w="38100">
+            <a:solidFill>
+              <a:srgbClr val="FF0000"/>
+            </a:solidFill>
+            <a:tailEnd type="triangle"/>
+          </a:ln>
+        </p:spPr>
+        <p:style>
+          <a:lnRef idx="1">
+            <a:schemeClr val="accent1"/>
+          </a:lnRef>
+          <a:fillRef idx="0">
+            <a:schemeClr val="accent1"/>
+          </a:fillRef>
+          <a:effectRef idx="0">
+            <a:schemeClr val="accent1"/>
+          </a:effectRef>
+          <a:fontRef idx="minor">
+            <a:schemeClr val="tx1"/>
+          </a:fontRef>
+        </p:style>
+      </p:cxnSp>
+      <p:sp>
+        <p:nvSpPr>
+          <p:cNvPr id="19" name="TextBox 18">
+            <a:extLst>
+              <a:ext uri="{FF2B5EF4-FFF2-40B4-BE49-F238E27FC236}">
+                <a16:creationId xmlns:a16="http://schemas.microsoft.com/office/drawing/2014/main" id="{4F57AE2E-E920-6C8F-BA05-2D3098E3C62A}"/>
+              </a:ext>
+            </a:extLst>
+          </p:cNvPr>
+          <p:cNvSpPr txBox="1"/>
+          <p:nvPr/>
+        </p:nvSpPr>
+        <p:spPr>
+          <a:xfrm>
+            <a:off x="4021583" y="854022"/>
+            <a:ext cx="1509204" cy="369332"/>
+          </a:xfrm>
+          <a:prstGeom prst="rect">
+            <a:avLst/>
+          </a:prstGeom>
+          <a:noFill/>
+        </p:spPr>
+        <p:txBody>
+          <a:bodyPr wrap="square" rtlCol="0">
+            <a:spAutoFit/>
+          </a:bodyPr>
+          <a:lstStyle/>
+          <a:p>
+            <a:r>
+              <a:rPr lang="en-US"/>
+              <a:t>Khối nguồn</a:t>
+            </a:r>
+            <a:endParaRPr lang="vi-VN"/>
+          </a:p>
+        </p:txBody>
+      </p:sp>
+      <p:sp>
+        <p:nvSpPr>
+          <p:cNvPr id="21" name="TextBox 20">
+            <a:extLst>
+              <a:ext uri="{FF2B5EF4-FFF2-40B4-BE49-F238E27FC236}">
+                <a16:creationId xmlns:a16="http://schemas.microsoft.com/office/drawing/2014/main" id="{1BF185CA-584C-BB4D-6E1F-DAFC2A94212D}"/>
+              </a:ext>
+            </a:extLst>
+          </p:cNvPr>
+          <p:cNvSpPr txBox="1"/>
+          <p:nvPr/>
+        </p:nvSpPr>
+        <p:spPr>
+          <a:xfrm>
+            <a:off x="3135296" y="5529683"/>
+            <a:ext cx="1509204" cy="369332"/>
+          </a:xfrm>
+          <a:prstGeom prst="rect">
+            <a:avLst/>
+          </a:prstGeom>
+          <a:noFill/>
+        </p:spPr>
+        <p:txBody>
+          <a:bodyPr wrap="square" rtlCol="0">
+            <a:spAutoFit/>
+          </a:bodyPr>
+          <a:lstStyle/>
+          <a:p>
+            <a:r>
+              <a:rPr lang="en-US"/>
+              <a:t>Khối RS232</a:t>
+            </a:r>
+            <a:endParaRPr lang="vi-VN"/>
+          </a:p>
+        </p:txBody>
+      </p:sp>
+      <p:sp>
+        <p:nvSpPr>
+          <p:cNvPr id="22" name="TextBox 21">
+            <a:extLst>
+              <a:ext uri="{FF2B5EF4-FFF2-40B4-BE49-F238E27FC236}">
+                <a16:creationId xmlns:a16="http://schemas.microsoft.com/office/drawing/2014/main" id="{0F95C018-3CF5-39DA-3893-B46FE29C8BB3}"/>
+              </a:ext>
+            </a:extLst>
+          </p:cNvPr>
+          <p:cNvSpPr txBox="1"/>
+          <p:nvPr/>
+        </p:nvSpPr>
+        <p:spPr>
+          <a:xfrm>
+            <a:off x="4847206" y="5550482"/>
+            <a:ext cx="1873190" cy="646331"/>
+          </a:xfrm>
+          <a:prstGeom prst="rect">
+            <a:avLst/>
+          </a:prstGeom>
+          <a:noFill/>
+        </p:spPr>
+        <p:txBody>
+          <a:bodyPr wrap="square" rtlCol="0">
+            <a:spAutoFit/>
+          </a:bodyPr>
+          <a:lstStyle/>
+          <a:p>
+            <a:pPr algn="ctr"/>
+            <a:r>
+              <a:rPr lang="en-US"/>
+              <a:t>Khối cảm biến và hiển thị</a:t>
+            </a:r>
+            <a:endParaRPr lang="vi-VN"/>
+          </a:p>
+        </p:txBody>
+      </p:sp>
+      <p:sp>
+        <p:nvSpPr>
+          <p:cNvPr id="23" name="TextBox 22">
+            <a:extLst>
+              <a:ext uri="{FF2B5EF4-FFF2-40B4-BE49-F238E27FC236}">
+                <a16:creationId xmlns:a16="http://schemas.microsoft.com/office/drawing/2014/main" id="{7C8676D2-18B0-5F05-D959-A5A8D177AB08}"/>
+              </a:ext>
+            </a:extLst>
+          </p:cNvPr>
+          <p:cNvSpPr txBox="1"/>
+          <p:nvPr/>
+        </p:nvSpPr>
+        <p:spPr>
+          <a:xfrm>
+            <a:off x="6926062" y="5606785"/>
+            <a:ext cx="2262325" cy="369332"/>
+          </a:xfrm>
+          <a:prstGeom prst="rect">
+            <a:avLst/>
+          </a:prstGeom>
+          <a:noFill/>
+        </p:spPr>
+        <p:txBody>
+          <a:bodyPr wrap="square" rtlCol="0">
+            <a:spAutoFit/>
+          </a:bodyPr>
+          <a:lstStyle/>
+          <a:p>
+            <a:r>
+              <a:rPr lang="en-US"/>
+              <a:t>Khối GPS và Debug</a:t>
+            </a:r>
+            <a:endParaRPr lang="vi-VN"/>
+          </a:p>
+        </p:txBody>
+      </p:sp>
+      <p:sp>
+        <p:nvSpPr>
+          <p:cNvPr id="24" name="TextBox 23">
+            <a:extLst>
+              <a:ext uri="{FF2B5EF4-FFF2-40B4-BE49-F238E27FC236}">
+                <a16:creationId xmlns:a16="http://schemas.microsoft.com/office/drawing/2014/main" id="{25FB16AE-182B-13B7-A344-2F3C1794F332}"/>
+              </a:ext>
+            </a:extLst>
+          </p:cNvPr>
+          <p:cNvSpPr txBox="1"/>
+          <p:nvPr/>
+        </p:nvSpPr>
+        <p:spPr>
+          <a:xfrm>
+            <a:off x="7341832" y="851105"/>
+            <a:ext cx="1509204" cy="369332"/>
+          </a:xfrm>
+          <a:prstGeom prst="rect">
+            <a:avLst/>
+          </a:prstGeom>
+          <a:noFill/>
+        </p:spPr>
+        <p:txBody>
+          <a:bodyPr wrap="square" rtlCol="0">
+            <a:spAutoFit/>
+          </a:bodyPr>
+          <a:lstStyle/>
+          <a:p>
+            <a:r>
+              <a:rPr lang="en-US"/>
+              <a:t>Khối SIM 4G</a:t>
+            </a:r>
+            <a:endParaRPr lang="vi-VN"/>
+          </a:p>
+        </p:txBody>
+      </p:sp>
+      <p:cxnSp>
+        <p:nvCxnSpPr>
+          <p:cNvPr id="26" name="Straight Arrow Connector 25">
+            <a:extLst>
+              <a:ext uri="{FF2B5EF4-FFF2-40B4-BE49-F238E27FC236}">
+                <a16:creationId xmlns:a16="http://schemas.microsoft.com/office/drawing/2014/main" id="{70F97B2E-5E6D-3FE7-E019-9337E3897AB1}"/>
+              </a:ext>
+            </a:extLst>
+          </p:cNvPr>
+          <p:cNvCxnSpPr>
+            <a:cxnSpLocks/>
+            <a:endCxn id="21" idx="0"/>
+          </p:cNvCxnSpPr>
+          <p:nvPr/>
+        </p:nvCxnSpPr>
+        <p:spPr>
+          <a:xfrm flipH="1">
+            <a:off x="3889898" y="5078027"/>
+            <a:ext cx="299992" cy="451656"/>
+          </a:xfrm>
+          <a:prstGeom prst="straightConnector1">
+            <a:avLst/>
+          </a:prstGeom>
+          <a:ln w="38100">
+            <a:solidFill>
+              <a:srgbClr val="FF0000"/>
+            </a:solidFill>
+            <a:tailEnd type="triangle"/>
+          </a:ln>
+        </p:spPr>
+        <p:style>
+          <a:lnRef idx="1">
+            <a:schemeClr val="accent1"/>
+          </a:lnRef>
+          <a:fillRef idx="0">
+            <a:schemeClr val="accent1"/>
+          </a:fillRef>
+          <a:effectRef idx="0">
+            <a:schemeClr val="accent1"/>
+          </a:effectRef>
+          <a:fontRef idx="minor">
+            <a:schemeClr val="tx1"/>
+          </a:fontRef>
+        </p:style>
+      </p:cxnSp>
+      <p:cxnSp>
+        <p:nvCxnSpPr>
+          <p:cNvPr id="27" name="Straight Arrow Connector 26">
+            <a:extLst>
+              <a:ext uri="{FF2B5EF4-FFF2-40B4-BE49-F238E27FC236}">
+                <a16:creationId xmlns:a16="http://schemas.microsoft.com/office/drawing/2014/main" id="{6BEDB4EE-8684-0577-E340-7E09F6515595}"/>
+              </a:ext>
+            </a:extLst>
+          </p:cNvPr>
+          <p:cNvCxnSpPr>
+            <a:cxnSpLocks/>
+            <a:stCxn id="14" idx="0"/>
+          </p:cNvCxnSpPr>
+          <p:nvPr/>
+        </p:nvCxnSpPr>
+        <p:spPr>
+          <a:xfrm flipV="1">
+            <a:off x="7888550" y="1283375"/>
+            <a:ext cx="163497" cy="324964"/>
+          </a:xfrm>
+          <a:prstGeom prst="straightConnector1">
+            <a:avLst/>
+          </a:prstGeom>
+          <a:ln w="38100">
+            <a:solidFill>
+              <a:srgbClr val="FF0000"/>
+            </a:solidFill>
+            <a:tailEnd type="triangle"/>
+          </a:ln>
+        </p:spPr>
+        <p:style>
+          <a:lnRef idx="1">
+            <a:schemeClr val="accent1"/>
+          </a:lnRef>
+          <a:fillRef idx="0">
+            <a:schemeClr val="accent1"/>
+          </a:fillRef>
+          <a:effectRef idx="0">
+            <a:schemeClr val="accent1"/>
+          </a:effectRef>
+          <a:fontRef idx="minor">
+            <a:schemeClr val="tx1"/>
+          </a:fontRef>
+        </p:style>
+      </p:cxnSp>
+      <p:cxnSp>
+        <p:nvCxnSpPr>
+          <p:cNvPr id="32" name="Straight Arrow Connector 31">
+            <a:extLst>
+              <a:ext uri="{FF2B5EF4-FFF2-40B4-BE49-F238E27FC236}">
+                <a16:creationId xmlns:a16="http://schemas.microsoft.com/office/drawing/2014/main" id="{58316075-07B2-04B4-F754-7797027A4F96}"/>
+              </a:ext>
+            </a:extLst>
+          </p:cNvPr>
+          <p:cNvCxnSpPr>
+            <a:cxnSpLocks/>
+            <a:stCxn id="13" idx="2"/>
+            <a:endCxn id="22" idx="0"/>
+          </p:cNvCxnSpPr>
+          <p:nvPr/>
+        </p:nvCxnSpPr>
+        <p:spPr>
+          <a:xfrm>
+            <a:off x="5601809" y="5078027"/>
+            <a:ext cx="181992" cy="472455"/>
+          </a:xfrm>
+          <a:prstGeom prst="straightConnector1">
+            <a:avLst/>
+          </a:prstGeom>
+          <a:ln w="38100">
+            <a:solidFill>
+              <a:srgbClr val="FF0000"/>
+            </a:solidFill>
+            <a:tailEnd type="triangle"/>
+          </a:ln>
+        </p:spPr>
+        <p:style>
+          <a:lnRef idx="1">
+            <a:schemeClr val="accent1"/>
+          </a:lnRef>
+          <a:fillRef idx="0">
+            <a:schemeClr val="accent1"/>
+          </a:fillRef>
+          <a:effectRef idx="0">
+            <a:schemeClr val="accent1"/>
+          </a:effectRef>
+          <a:fontRef idx="minor">
+            <a:schemeClr val="tx1"/>
+          </a:fontRef>
+        </p:style>
+      </p:cxnSp>
+      <p:cxnSp>
+        <p:nvCxnSpPr>
+          <p:cNvPr id="35" name="Straight Arrow Connector 34">
+            <a:extLst>
+              <a:ext uri="{FF2B5EF4-FFF2-40B4-BE49-F238E27FC236}">
+                <a16:creationId xmlns:a16="http://schemas.microsoft.com/office/drawing/2014/main" id="{264DAC35-A546-30D5-3D6B-D67B504170C5}"/>
+              </a:ext>
+            </a:extLst>
+          </p:cNvPr>
+          <p:cNvCxnSpPr>
+            <a:cxnSpLocks/>
+            <a:stCxn id="15" idx="2"/>
+            <a:endCxn id="23" idx="0"/>
+          </p:cNvCxnSpPr>
+          <p:nvPr/>
+        </p:nvCxnSpPr>
+        <p:spPr>
+          <a:xfrm>
+            <a:off x="7653734" y="5078027"/>
+            <a:ext cx="403491" cy="528758"/>
+          </a:xfrm>
+          <a:prstGeom prst="straightConnector1">
+            <a:avLst/>
+          </a:prstGeom>
+          <a:ln w="38100">
+            <a:solidFill>
+              <a:srgbClr val="FF0000"/>
+            </a:solidFill>
+            <a:tailEnd type="triangle"/>
+          </a:ln>
+        </p:spPr>
+        <p:style>
+          <a:lnRef idx="1">
+            <a:schemeClr val="accent1"/>
+          </a:lnRef>
+          <a:fillRef idx="0">
+            <a:schemeClr val="accent1"/>
+          </a:fillRef>
+          <a:effectRef idx="0">
+            <a:schemeClr val="accent1"/>
+          </a:effectRef>
+          <a:fontRef idx="minor">
+            <a:schemeClr val="tx1"/>
+          </a:fontRef>
+        </p:style>
+      </p:cxnSp>
+      <p:cxnSp>
+        <p:nvCxnSpPr>
+          <p:cNvPr id="38" name="Straight Arrow Connector 37">
+            <a:extLst>
+              <a:ext uri="{FF2B5EF4-FFF2-40B4-BE49-F238E27FC236}">
+                <a16:creationId xmlns:a16="http://schemas.microsoft.com/office/drawing/2014/main" id="{978E5E14-82A0-A667-1B05-4B230515D3D8}"/>
+              </a:ext>
+            </a:extLst>
+          </p:cNvPr>
+          <p:cNvCxnSpPr>
+            <a:cxnSpLocks/>
+            <a:endCxn id="40" idx="2"/>
+          </p:cNvCxnSpPr>
+          <p:nvPr/>
+        </p:nvCxnSpPr>
+        <p:spPr>
+          <a:xfrm flipV="1">
+            <a:off x="5783801" y="1182773"/>
+            <a:ext cx="754602" cy="1574483"/>
+          </a:xfrm>
+          <a:prstGeom prst="straightConnector1">
+            <a:avLst/>
+          </a:prstGeom>
+          <a:ln w="38100">
+            <a:solidFill>
+              <a:srgbClr val="FF0000"/>
+            </a:solidFill>
+            <a:tailEnd type="triangle"/>
+          </a:ln>
+        </p:spPr>
+        <p:style>
+          <a:lnRef idx="1">
+            <a:schemeClr val="accent1"/>
+          </a:lnRef>
+          <a:fillRef idx="0">
+            <a:schemeClr val="accent1"/>
+          </a:fillRef>
+          <a:effectRef idx="0">
+            <a:schemeClr val="accent1"/>
+          </a:effectRef>
+          <a:fontRef idx="minor">
+            <a:schemeClr val="tx1"/>
+          </a:fontRef>
+        </p:style>
+      </p:cxnSp>
+      <p:sp>
+        <p:nvSpPr>
+          <p:cNvPr id="40" name="TextBox 39">
+            <a:extLst>
+              <a:ext uri="{FF2B5EF4-FFF2-40B4-BE49-F238E27FC236}">
+                <a16:creationId xmlns:a16="http://schemas.microsoft.com/office/drawing/2014/main" id="{A35E821D-4D88-2FA3-C918-221105EAB22B}"/>
+              </a:ext>
+            </a:extLst>
+          </p:cNvPr>
+          <p:cNvSpPr txBox="1"/>
+          <p:nvPr/>
+        </p:nvSpPr>
+        <p:spPr>
+          <a:xfrm>
+            <a:off x="5783801" y="813441"/>
+            <a:ext cx="1509204" cy="369332"/>
+          </a:xfrm>
+          <a:prstGeom prst="rect">
+            <a:avLst/>
+          </a:prstGeom>
+          <a:noFill/>
+        </p:spPr>
+        <p:txBody>
+          <a:bodyPr wrap="square" rtlCol="0">
+            <a:spAutoFit/>
+          </a:bodyPr>
+          <a:lstStyle/>
+          <a:p>
+            <a:r>
+              <a:rPr lang="en-US"/>
+              <a:t>Khối MCU</a:t>
+            </a:r>
+            <a:endParaRPr lang="vi-VN"/>
+          </a:p>
+        </p:txBody>
+      </p:sp>
+    </p:spTree>
+    <p:extLst>
+      <p:ext uri="{BB962C8B-B14F-4D97-AF65-F5344CB8AC3E}">
+        <p14:creationId xmlns:p14="http://schemas.microsoft.com/office/powerpoint/2010/main" val="447096589"/>
+      </p:ext>
+    </p:extLst>
+  </p:cSld>
+  <p:clrMapOvr>
+    <a:masterClrMapping/>
+  </p:clrMapOvr>
+</p:sld>
+</file>
+
+<file path=ppt/slides/slide5.xml><?xml version="1.0" encoding="utf-8"?>
+<p:sld xmlns:a="http://schemas.openxmlformats.org/drawingml/2006/main" xmlns:r="http://schemas.openxmlformats.org/officeDocument/2006/relationships" xmlns:p="http://schemas.openxmlformats.org/presentationml/2006/main">
+  <p:cSld>
+    <p:spTree>
+      <p:nvGrpSpPr>
+        <p:cNvPr id="1" name=""/>
+        <p:cNvGrpSpPr/>
+        <p:nvPr/>
+      </p:nvGrpSpPr>
+      <p:grpSpPr>
+        <a:xfrm>
+          <a:off x="0" y="0"/>
+          <a:ext cx="0" cy="0"/>
+          <a:chOff x="0" y="0"/>
+          <a:chExt cx="0" cy="0"/>
+        </a:xfrm>
+      </p:grpSpPr>
+      <p:pic>
+        <p:nvPicPr>
+          <p:cNvPr id="10" name="Picture 9" descr="A yellow and black digital calculator&#10;&#10;Description automatically generated">
+            <a:extLst>
+              <a:ext uri="{FF2B5EF4-FFF2-40B4-BE49-F238E27FC236}">
+                <a16:creationId xmlns:a16="http://schemas.microsoft.com/office/drawing/2014/main" id="{3C2E3A75-F6F8-2845-3454-DA548045AB35}"/>
+              </a:ext>
+            </a:extLst>
+          </p:cNvPr>
+          <p:cNvPicPr>
+            <a:picLocks noChangeAspect="1"/>
+          </p:cNvPicPr>
+          <p:nvPr/>
+        </p:nvPicPr>
+        <p:blipFill>
+          <a:blip r:embed="rId2" cstate="print">
+            <a:extLst>
+              <a:ext uri="{28A0092B-C50C-407E-A947-70E740481C1C}">
+                <a14:useLocalDpi xmlns:a14="http://schemas.microsoft.com/office/drawing/2010/main" val="0"/>
+              </a:ext>
+            </a:extLst>
+          </a:blip>
+          <a:srcRect/>
+          <a:stretch>
+            <a:fillRect/>
+          </a:stretch>
+        </p:blipFill>
+        <p:spPr bwMode="auto">
+          <a:xfrm>
+            <a:off x="4936490" y="1883092"/>
+            <a:ext cx="2319020" cy="3091815"/>
+          </a:xfrm>
+          <a:prstGeom prst="rect">
+            <a:avLst/>
+          </a:prstGeom>
+          <a:noFill/>
+          <a:ln>
+            <a:noFill/>
+          </a:ln>
+        </p:spPr>
+      </p:pic>
+      <p:pic>
+        <p:nvPicPr>
+          <p:cNvPr id="11" name="Picture 10" descr="A yellow and black digital calculator&#10;&#10;Description automatically generated">
+            <a:extLst>
+              <a:ext uri="{FF2B5EF4-FFF2-40B4-BE49-F238E27FC236}">
+                <a16:creationId xmlns:a16="http://schemas.microsoft.com/office/drawing/2014/main" id="{4821526E-4BA7-04B0-940C-A7907427ECE1}"/>
+              </a:ext>
+            </a:extLst>
+          </p:cNvPr>
+          <p:cNvPicPr>
+            <a:picLocks noChangeAspect="1"/>
+          </p:cNvPicPr>
+          <p:nvPr/>
+        </p:nvPicPr>
+        <p:blipFill>
+          <a:blip r:embed="rId3" cstate="print">
+            <a:extLst>
+              <a:ext uri="{28A0092B-C50C-407E-A947-70E740481C1C}">
+                <a14:useLocalDpi xmlns:a14="http://schemas.microsoft.com/office/drawing/2010/main" val="0"/>
+              </a:ext>
+            </a:extLst>
+          </a:blip>
+          <a:srcRect/>
+          <a:stretch>
+            <a:fillRect/>
+          </a:stretch>
+        </p:blipFill>
+        <p:spPr bwMode="auto">
+          <a:xfrm>
+            <a:off x="7335409" y="1883092"/>
+            <a:ext cx="2292350" cy="3091815"/>
+          </a:xfrm>
+          <a:prstGeom prst="rect">
+            <a:avLst/>
+          </a:prstGeom>
+          <a:noFill/>
+          <a:ln>
+            <a:noFill/>
+          </a:ln>
+        </p:spPr>
+      </p:pic>
+    </p:spTree>
+    <p:extLst>
+      <p:ext uri="{BB962C8B-B14F-4D97-AF65-F5344CB8AC3E}">
+        <p14:creationId xmlns:p14="http://schemas.microsoft.com/office/powerpoint/2010/main" val="2211964351"/>
+      </p:ext>
+    </p:extLst>
+  </p:cSld>
+  <p:clrMapOvr>
+    <a:masterClrMapping/>
+  </p:clrMapOvr>
+</p:sld>
+</file>
+
+<file path=ppt/slides/slide6.xml><?xml version="1.0" encoding="utf-8"?>
+<p:sld xmlns:a="http://schemas.openxmlformats.org/drawingml/2006/main" xmlns:r="http://schemas.openxmlformats.org/officeDocument/2006/relationships" xmlns:p="http://schemas.openxmlformats.org/presentationml/2006/main">
+  <p:cSld>
+    <p:spTree>
+      <p:nvGrpSpPr>
+        <p:cNvPr id="1" name=""/>
+        <p:cNvGrpSpPr/>
+        <p:nvPr/>
+      </p:nvGrpSpPr>
+      <p:grpSpPr>
+        <a:xfrm>
+          <a:off x="0" y="0"/>
+          <a:ext cx="0" cy="0"/>
+          <a:chOff x="0" y="0"/>
+          <a:chExt cx="0" cy="0"/>
+        </a:xfrm>
+      </p:grpSpPr>
+      <p:pic>
+        <p:nvPicPr>
+          <p:cNvPr id="2" name="Picture 1" descr="A yellow and black digital device&#10;&#10;Description automatically generated">
+            <a:extLst>
+              <a:ext uri="{FF2B5EF4-FFF2-40B4-BE49-F238E27FC236}">
+                <a16:creationId xmlns:a16="http://schemas.microsoft.com/office/drawing/2014/main" id="{216CB3D3-A949-A078-A6D5-613B4011A620}"/>
+              </a:ext>
+            </a:extLst>
+          </p:cNvPr>
+          <p:cNvPicPr>
+            <a:picLocks noChangeAspect="1"/>
+          </p:cNvPicPr>
+          <p:nvPr/>
+        </p:nvPicPr>
+        <p:blipFill>
+          <a:blip r:embed="rId2" cstate="print">
+            <a:extLst>
+              <a:ext uri="{28A0092B-C50C-407E-A947-70E740481C1C}">
+                <a14:useLocalDpi xmlns:a14="http://schemas.microsoft.com/office/drawing/2010/main" val="0"/>
+              </a:ext>
+            </a:extLst>
+          </a:blip>
+          <a:srcRect/>
+          <a:stretch>
+            <a:fillRect/>
+          </a:stretch>
+        </p:blipFill>
+        <p:spPr bwMode="auto">
+          <a:xfrm>
+            <a:off x="8239667" y="2161854"/>
+            <a:ext cx="2246630" cy="2995930"/>
+          </a:xfrm>
+          <a:prstGeom prst="rect">
+            <a:avLst/>
+          </a:prstGeom>
+          <a:noFill/>
+          <a:ln>
+            <a:noFill/>
+          </a:ln>
+        </p:spPr>
+      </p:pic>
+      <p:pic>
+        <p:nvPicPr>
+          <p:cNvPr id="3" name="Picture 2" descr="A yellow and black digital calculator&#10;&#10;Description automatically generated">
+            <a:extLst>
+              <a:ext uri="{FF2B5EF4-FFF2-40B4-BE49-F238E27FC236}">
+                <a16:creationId xmlns:a16="http://schemas.microsoft.com/office/drawing/2014/main" id="{94533456-12EE-3628-6EAB-800C21FCFB1F}"/>
+              </a:ext>
+            </a:extLst>
+          </p:cNvPr>
+          <p:cNvPicPr>
+            <a:picLocks noChangeAspect="1"/>
+          </p:cNvPicPr>
+          <p:nvPr/>
+        </p:nvPicPr>
+        <p:blipFill>
+          <a:blip r:embed="rId3" cstate="print">
+            <a:extLst>
+              <a:ext uri="{28A0092B-C50C-407E-A947-70E740481C1C}">
+                <a14:useLocalDpi xmlns:a14="http://schemas.microsoft.com/office/drawing/2010/main" val="0"/>
+              </a:ext>
+            </a:extLst>
+          </a:blip>
+          <a:srcRect/>
+          <a:stretch>
+            <a:fillRect/>
+          </a:stretch>
+        </p:blipFill>
+        <p:spPr bwMode="auto">
+          <a:xfrm>
+            <a:off x="5914297" y="2161854"/>
+            <a:ext cx="2260600" cy="2995930"/>
+          </a:xfrm>
+          <a:prstGeom prst="rect">
+            <a:avLst/>
+          </a:prstGeom>
+          <a:noFill/>
+          <a:ln>
+            <a:noFill/>
+          </a:ln>
+        </p:spPr>
+      </p:pic>
+    </p:spTree>
+    <p:extLst>
+      <p:ext uri="{BB962C8B-B14F-4D97-AF65-F5344CB8AC3E}">
+        <p14:creationId xmlns:p14="http://schemas.microsoft.com/office/powerpoint/2010/main" val="1008099408"/>
+      </p:ext>
+    </p:extLst>
+  </p:cSld>
+  <p:clrMapOvr>
+    <a:masterClrMapping/>
+  </p:clrMapOvr>
+</p:sld>
+</file>
+
+<file path=ppt/slides/slide7.xml><?xml version="1.0" encoding="utf-8"?>
+<p:sld xmlns:a="http://schemas.openxmlformats.org/drawingml/2006/main" xmlns:r="http://schemas.openxmlformats.org/officeDocument/2006/relationships" xmlns:p="http://schemas.openxmlformats.org/presentationml/2006/main">
+  <p:cSld>
+    <p:spTree>
+      <p:nvGrpSpPr>
+        <p:cNvPr id="1" name=""/>
+        <p:cNvGrpSpPr/>
+        <p:nvPr/>
+      </p:nvGrpSpPr>
+      <p:grpSpPr>
+        <a:xfrm>
+          <a:off x="0" y="0"/>
+          <a:ext cx="0" cy="0"/>
+          <a:chOff x="0" y="0"/>
+          <a:chExt cx="0" cy="0"/>
+        </a:xfrm>
+      </p:grpSpPr>
+      <p:pic>
+        <p:nvPicPr>
+          <p:cNvPr id="2" name="Picture 1" descr="A yellow and grey digital calculator&#10;&#10;Description automatically generated">
+            <a:extLst>
+              <a:ext uri="{FF2B5EF4-FFF2-40B4-BE49-F238E27FC236}">
+                <a16:creationId xmlns:a16="http://schemas.microsoft.com/office/drawing/2014/main" id="{5D529728-16D7-0BA8-03B9-F43FB84077B5}"/>
+              </a:ext>
+            </a:extLst>
+          </p:cNvPr>
+          <p:cNvPicPr>
+            <a:picLocks noChangeAspect="1"/>
+          </p:cNvPicPr>
+          <p:nvPr/>
+        </p:nvPicPr>
+        <p:blipFill>
+          <a:blip r:embed="rId2" cstate="print">
+            <a:extLst>
+              <a:ext uri="{28A0092B-C50C-407E-A947-70E740481C1C}">
+                <a14:useLocalDpi xmlns:a14="http://schemas.microsoft.com/office/drawing/2010/main" val="0"/>
+              </a:ext>
+            </a:extLst>
+          </a:blip>
+          <a:srcRect/>
+          <a:stretch>
+            <a:fillRect/>
+          </a:stretch>
+        </p:blipFill>
+        <p:spPr bwMode="auto">
+          <a:xfrm>
+            <a:off x="4972050" y="1930400"/>
+            <a:ext cx="2247900" cy="2997200"/>
+          </a:xfrm>
+          <a:prstGeom prst="rect">
+            <a:avLst/>
+          </a:prstGeom>
+          <a:noFill/>
+          <a:ln>
+            <a:noFill/>
+          </a:ln>
+        </p:spPr>
+      </p:pic>
+      <p:pic>
+        <p:nvPicPr>
+          <p:cNvPr id="3" name="Picture 2" descr="A yellow and black digital calculator&#10;&#10;Description automatically generated">
+            <a:extLst>
+              <a:ext uri="{FF2B5EF4-FFF2-40B4-BE49-F238E27FC236}">
+                <a16:creationId xmlns:a16="http://schemas.microsoft.com/office/drawing/2014/main" id="{2B34D030-758C-810F-21E9-D27802044FFC}"/>
+              </a:ext>
+            </a:extLst>
+          </p:cNvPr>
+          <p:cNvPicPr>
+            <a:picLocks noChangeAspect="1"/>
+          </p:cNvPicPr>
+          <p:nvPr/>
+        </p:nvPicPr>
+        <p:blipFill>
+          <a:blip r:embed="rId3" cstate="print">
+            <a:extLst>
+              <a:ext uri="{28A0092B-C50C-407E-A947-70E740481C1C}">
+                <a14:useLocalDpi xmlns:a14="http://schemas.microsoft.com/office/drawing/2010/main" val="0"/>
+              </a:ext>
+            </a:extLst>
+          </a:blip>
+          <a:srcRect/>
+          <a:stretch>
+            <a:fillRect/>
+          </a:stretch>
+        </p:blipFill>
+        <p:spPr bwMode="auto">
+          <a:xfrm>
+            <a:off x="2640398" y="1930400"/>
+            <a:ext cx="2241550" cy="2988310"/>
+          </a:xfrm>
+          <a:prstGeom prst="rect">
+            <a:avLst/>
+          </a:prstGeom>
+          <a:noFill/>
+          <a:ln>
+            <a:noFill/>
+          </a:ln>
+        </p:spPr>
+      </p:pic>
+    </p:spTree>
+    <p:extLst>
+      <p:ext uri="{BB962C8B-B14F-4D97-AF65-F5344CB8AC3E}">
+        <p14:creationId xmlns:p14="http://schemas.microsoft.com/office/powerpoint/2010/main" val="318137590"/>
+      </p:ext>
+    </p:extLst>
+  </p:cSld>
+  <p:clrMapOvr>
+    <a:masterClrMapping/>
+  </p:clrMapOvr>
+</p:sld>
+</file>
+
+<file path=ppt/slides/slide8.xml><?xml version="1.0" encoding="utf-8"?>
+<p:sld xmlns:a="http://schemas.openxmlformats.org/drawingml/2006/main" xmlns:r="http://schemas.openxmlformats.org/officeDocument/2006/relationships" xmlns:p="http://schemas.openxmlformats.org/presentationml/2006/main">
+  <p:cSld>
+    <p:spTree>
+      <p:nvGrpSpPr>
+        <p:cNvPr id="1" name=""/>
+        <p:cNvGrpSpPr/>
+        <p:nvPr/>
+      </p:nvGrpSpPr>
+      <p:grpSpPr>
+        <a:xfrm>
+          <a:off x="0" y="0"/>
+          <a:ext cx="0" cy="0"/>
+          <a:chOff x="0" y="0"/>
+          <a:chExt cx="0" cy="0"/>
+        </a:xfrm>
+      </p:grpSpPr>
+      <p:pic>
+        <p:nvPicPr>
+          <p:cNvPr id="2" name="Picture 1" descr="A picture containing text, indoor&#10;&#10;Description automatically generated">
+            <a:extLst>
+              <a:ext uri="{FF2B5EF4-FFF2-40B4-BE49-F238E27FC236}">
+                <a16:creationId xmlns:a16="http://schemas.microsoft.com/office/drawing/2014/main" id="{E51BAEE1-D82F-1708-13D8-7CFEE97DFC6C}"/>
+              </a:ext>
+            </a:extLst>
+          </p:cNvPr>
+          <p:cNvPicPr>
+            <a:picLocks noChangeAspect="1"/>
+          </p:cNvPicPr>
+          <p:nvPr/>
+        </p:nvPicPr>
+        <p:blipFill>
+          <a:blip r:embed="rId2" cstate="print">
+            <a:extLst>
+              <a:ext uri="{28A0092B-C50C-407E-A947-70E740481C1C}">
+                <a14:useLocalDpi xmlns:a14="http://schemas.microsoft.com/office/drawing/2010/main" val="0"/>
+              </a:ext>
+            </a:extLst>
+          </a:blip>
+          <a:stretch>
+            <a:fillRect/>
+          </a:stretch>
+        </p:blipFill>
+        <p:spPr>
+          <a:xfrm>
+            <a:off x="2349159" y="1076229"/>
+            <a:ext cx="6449199" cy="4836299"/>
+          </a:xfrm>
+          <a:prstGeom prst="rect">
+            <a:avLst/>
+          </a:prstGeom>
+        </p:spPr>
+      </p:pic>
+    </p:spTree>
+    <p:extLst>
+      <p:ext uri="{BB962C8B-B14F-4D97-AF65-F5344CB8AC3E}">
+        <p14:creationId xmlns:p14="http://schemas.microsoft.com/office/powerpoint/2010/main" val="494463709"/>
+      </p:ext>
+    </p:extLst>
+  </p:cSld>
+  <p:clrMapOvr>
+    <a:masterClrMapping/>
+  </p:clrMapOvr>
+</p:sld>
+</file>
+
+<file path=ppt/slides/slide9.xml><?xml version="1.0" encoding="utf-8"?>
+<p:sld xmlns:a="http://schemas.openxmlformats.org/drawingml/2006/main" xmlns:r="http://schemas.openxmlformats.org/officeDocument/2006/relationships" xmlns:p="http://schemas.openxmlformats.org/presentationml/2006/main">
+  <p:cSld>
+    <p:spTree>
+      <p:nvGrpSpPr>
+        <p:cNvPr id="1" name=""/>
+        <p:cNvGrpSpPr/>
+        <p:nvPr/>
+      </p:nvGrpSpPr>
+      <p:grpSpPr>
+        <a:xfrm>
+          <a:off x="0" y="0"/>
+          <a:ext cx="0" cy="0"/>
+          <a:chOff x="0" y="0"/>
+          <a:chExt cx="0" cy="0"/>
+        </a:xfrm>
+      </p:grpSpPr>
+      <p:pic>
+        <p:nvPicPr>
+          <p:cNvPr id="3" name="Picture 2" descr="A picture containing floor, indoor&#10;&#10;Description automatically generated">
+            <a:extLst>
+              <a:ext uri="{FF2B5EF4-FFF2-40B4-BE49-F238E27FC236}">
+                <a16:creationId xmlns:a16="http://schemas.microsoft.com/office/drawing/2014/main" id="{AB073A5B-5B0A-CED6-078F-475B296C8CC4}"/>
+              </a:ext>
+            </a:extLst>
+          </p:cNvPr>
+          <p:cNvPicPr>
+            <a:picLocks noChangeAspect="1"/>
+          </p:cNvPicPr>
+          <p:nvPr/>
+        </p:nvPicPr>
+        <p:blipFill>
+          <a:blip r:embed="rId2"/>
+          <a:stretch>
+            <a:fillRect/>
+          </a:stretch>
+        </p:blipFill>
+        <p:spPr>
+          <a:xfrm>
+            <a:off x="3731260" y="1673225"/>
+            <a:ext cx="4729480" cy="3511550"/>
+          </a:xfrm>
+          <a:prstGeom prst="rect">
+            <a:avLst/>
+          </a:prstGeom>
+        </p:spPr>
+      </p:pic>
+      <p:sp>
+        <p:nvSpPr>
+          <p:cNvPr id="4" name="TextBox 3">
+            <a:extLst>
+              <a:ext uri="{FF2B5EF4-FFF2-40B4-BE49-F238E27FC236}">
+                <a16:creationId xmlns:a16="http://schemas.microsoft.com/office/drawing/2014/main" id="{6454C52F-33B7-3DA5-96CF-6215D48214F8}"/>
+              </a:ext>
+            </a:extLst>
+          </p:cNvPr>
+          <p:cNvSpPr txBox="1"/>
+          <p:nvPr/>
+        </p:nvSpPr>
+        <p:spPr>
+          <a:xfrm>
+            <a:off x="3941685" y="3687789"/>
+            <a:ext cx="1313895" cy="461665"/>
+          </a:xfrm>
+          <a:prstGeom prst="rect">
+            <a:avLst/>
+          </a:prstGeom>
+          <a:noFill/>
+        </p:spPr>
+        <p:txBody>
+          <a:bodyPr wrap="square" rtlCol="0">
+            <a:spAutoFit/>
+          </a:bodyPr>
+          <a:lstStyle/>
+          <a:p>
+            <a:r>
+              <a:rPr lang="en-US" sz="2400">
+                <a:solidFill>
+                  <a:srgbClr val="FFC000"/>
+                </a:solidFill>
+              </a:rPr>
+              <a:t>Anten</a:t>
+            </a:r>
+            <a:endParaRPr lang="vi-VN" sz="2400">
+              <a:solidFill>
+                <a:srgbClr val="FFC000"/>
+              </a:solidFill>
+            </a:endParaRPr>
+          </a:p>
+        </p:txBody>
+      </p:sp>
+      <p:sp>
+        <p:nvSpPr>
+          <p:cNvPr id="5" name="TextBox 4">
+            <a:extLst>
+              <a:ext uri="{FF2B5EF4-FFF2-40B4-BE49-F238E27FC236}">
+                <a16:creationId xmlns:a16="http://schemas.microsoft.com/office/drawing/2014/main" id="{D90F7452-ABEC-85FC-6989-45FCFC800175}"/>
+              </a:ext>
+            </a:extLst>
+          </p:cNvPr>
+          <p:cNvSpPr txBox="1"/>
+          <p:nvPr/>
+        </p:nvSpPr>
+        <p:spPr>
+          <a:xfrm>
+            <a:off x="5736454" y="1823479"/>
+            <a:ext cx="1313895" cy="461665"/>
+          </a:xfrm>
+          <a:prstGeom prst="rect">
+            <a:avLst/>
+          </a:prstGeom>
+          <a:noFill/>
+        </p:spPr>
+        <p:txBody>
+          <a:bodyPr wrap="square" rtlCol="0">
+            <a:spAutoFit/>
+          </a:bodyPr>
+          <a:lstStyle/>
+          <a:p>
+            <a:r>
+              <a:rPr lang="en-US" sz="2400">
+                <a:solidFill>
+                  <a:srgbClr val="FFC000"/>
+                </a:solidFill>
+              </a:rPr>
+              <a:t>Bộ xử lý</a:t>
+            </a:r>
+            <a:endParaRPr lang="vi-VN" sz="2400">
+              <a:solidFill>
+                <a:srgbClr val="FFC000"/>
+              </a:solidFill>
+            </a:endParaRPr>
+          </a:p>
+        </p:txBody>
+      </p:sp>
+      <p:sp>
+        <p:nvSpPr>
+          <p:cNvPr id="6" name="TextBox 5">
+            <a:extLst>
+              <a:ext uri="{FF2B5EF4-FFF2-40B4-BE49-F238E27FC236}">
+                <a16:creationId xmlns:a16="http://schemas.microsoft.com/office/drawing/2014/main" id="{AB035D13-C319-CB5E-3321-50043D94FF86}"/>
+              </a:ext>
+            </a:extLst>
+          </p:cNvPr>
+          <p:cNvSpPr txBox="1"/>
+          <p:nvPr/>
+        </p:nvSpPr>
+        <p:spPr>
+          <a:xfrm>
+            <a:off x="7248680" y="1743580"/>
+            <a:ext cx="1313895" cy="830997"/>
+          </a:xfrm>
+          <a:prstGeom prst="rect">
+            <a:avLst/>
+          </a:prstGeom>
+          <a:noFill/>
+        </p:spPr>
+        <p:txBody>
+          <a:bodyPr wrap="square" rtlCol="0">
+            <a:spAutoFit/>
+          </a:bodyPr>
+          <a:lstStyle/>
+          <a:p>
+            <a:r>
+              <a:rPr lang="en-US" sz="2400">
+                <a:solidFill>
+                  <a:srgbClr val="FFC000"/>
+                </a:solidFill>
+              </a:rPr>
+              <a:t>Nguồn Accquy</a:t>
+            </a:r>
+            <a:endParaRPr lang="vi-VN" sz="2400">
+              <a:solidFill>
+                <a:srgbClr val="FFC000"/>
+              </a:solidFill>
+            </a:endParaRPr>
+          </a:p>
+        </p:txBody>
+      </p:sp>
+    </p:spTree>
+    <p:extLst>
+      <p:ext uri="{BB962C8B-B14F-4D97-AF65-F5344CB8AC3E}">
+        <p14:creationId xmlns:p14="http://schemas.microsoft.com/office/powerpoint/2010/main" val="3588284827"/>
       </p:ext>
     </p:extLst>
   </p:cSld>
